--- a/Notatka/Rys/PowerPoint/powielenie.pptx
+++ b/Notatka/Rys/PowerPoint/powielenie.pptx
@@ -6,6 +6,9 @@
   </p:sldMasterIdLst>
   <p:sldIdLst>
     <p:sldId id="256" r:id="rId2"/>
+    <p:sldId id="257" r:id="rId3"/>
+    <p:sldId id="258" r:id="rId4"/>
+    <p:sldId id="259" r:id="rId5"/>
   </p:sldIdLst>
   <p:sldSz cx="12192000" cy="6858000"/>
   <p:notesSz cx="6858000" cy="9144000"/>
@@ -104,6 +107,11 @@
       </a:defRPr>
     </a:lvl9pPr>
   </p:defaultTextStyle>
+  <p:extLst>
+    <p:ext uri="{EFAFB233-063F-42B5-8137-9DF3F51BA10A}">
+      <p15:sldGuideLst xmlns:p15="http://schemas.microsoft.com/office/powerpoint/2012/main"/>
+    </p:ext>
+  </p:extLst>
 </p:presentation>
 </file>
 
@@ -238,7 +246,7 @@
           <a:p>
             <a:fld id="{A5999D25-B856-4770-A064-2F29F2E54AE2}" type="datetimeFigureOut">
               <a:rPr lang="pl-PL" smtClean="0"/>
-              <a:t>2019-03-21</a:t>
+              <a:t>2019-06-05</a:t>
             </a:fld>
             <a:endParaRPr lang="pl-PL"/>
           </a:p>
@@ -408,7 +416,7 @@
           <a:p>
             <a:fld id="{A5999D25-B856-4770-A064-2F29F2E54AE2}" type="datetimeFigureOut">
               <a:rPr lang="pl-PL" smtClean="0"/>
-              <a:t>2019-03-21</a:t>
+              <a:t>2019-06-05</a:t>
             </a:fld>
             <a:endParaRPr lang="pl-PL"/>
           </a:p>
@@ -588,7 +596,7 @@
           <a:p>
             <a:fld id="{A5999D25-B856-4770-A064-2F29F2E54AE2}" type="datetimeFigureOut">
               <a:rPr lang="pl-PL" smtClean="0"/>
-              <a:t>2019-03-21</a:t>
+              <a:t>2019-06-05</a:t>
             </a:fld>
             <a:endParaRPr lang="pl-PL"/>
           </a:p>
@@ -758,7 +766,7 @@
           <a:p>
             <a:fld id="{A5999D25-B856-4770-A064-2F29F2E54AE2}" type="datetimeFigureOut">
               <a:rPr lang="pl-PL" smtClean="0"/>
-              <a:t>2019-03-21</a:t>
+              <a:t>2019-06-05</a:t>
             </a:fld>
             <a:endParaRPr lang="pl-PL"/>
           </a:p>
@@ -1004,7 +1012,7 @@
           <a:p>
             <a:fld id="{A5999D25-B856-4770-A064-2F29F2E54AE2}" type="datetimeFigureOut">
               <a:rPr lang="pl-PL" smtClean="0"/>
-              <a:t>2019-03-21</a:t>
+              <a:t>2019-06-05</a:t>
             </a:fld>
             <a:endParaRPr lang="pl-PL"/>
           </a:p>
@@ -1236,7 +1244,7 @@
           <a:p>
             <a:fld id="{A5999D25-B856-4770-A064-2F29F2E54AE2}" type="datetimeFigureOut">
               <a:rPr lang="pl-PL" smtClean="0"/>
-              <a:t>2019-03-21</a:t>
+              <a:t>2019-06-05</a:t>
             </a:fld>
             <a:endParaRPr lang="pl-PL"/>
           </a:p>
@@ -1603,7 +1611,7 @@
           <a:p>
             <a:fld id="{A5999D25-B856-4770-A064-2F29F2E54AE2}" type="datetimeFigureOut">
               <a:rPr lang="pl-PL" smtClean="0"/>
-              <a:t>2019-03-21</a:t>
+              <a:t>2019-06-05</a:t>
             </a:fld>
             <a:endParaRPr lang="pl-PL"/>
           </a:p>
@@ -1721,7 +1729,7 @@
           <a:p>
             <a:fld id="{A5999D25-B856-4770-A064-2F29F2E54AE2}" type="datetimeFigureOut">
               <a:rPr lang="pl-PL" smtClean="0"/>
-              <a:t>2019-03-21</a:t>
+              <a:t>2019-06-05</a:t>
             </a:fld>
             <a:endParaRPr lang="pl-PL"/>
           </a:p>
@@ -1816,7 +1824,7 @@
           <a:p>
             <a:fld id="{A5999D25-B856-4770-A064-2F29F2E54AE2}" type="datetimeFigureOut">
               <a:rPr lang="pl-PL" smtClean="0"/>
-              <a:t>2019-03-21</a:t>
+              <a:t>2019-06-05</a:t>
             </a:fld>
             <a:endParaRPr lang="pl-PL"/>
           </a:p>
@@ -2093,7 +2101,7 @@
           <a:p>
             <a:fld id="{A5999D25-B856-4770-A064-2F29F2E54AE2}" type="datetimeFigureOut">
               <a:rPr lang="pl-PL" smtClean="0"/>
-              <a:t>2019-03-21</a:t>
+              <a:t>2019-06-05</a:t>
             </a:fld>
             <a:endParaRPr lang="pl-PL"/>
           </a:p>
@@ -2346,7 +2354,7 @@
           <a:p>
             <a:fld id="{A5999D25-B856-4770-A064-2F29F2E54AE2}" type="datetimeFigureOut">
               <a:rPr lang="pl-PL" smtClean="0"/>
-              <a:t>2019-03-21</a:t>
+              <a:t>2019-06-05</a:t>
             </a:fld>
             <a:endParaRPr lang="pl-PL"/>
           </a:p>
@@ -2559,7 +2567,7 @@
           <a:p>
             <a:fld id="{A5999D25-B856-4770-A064-2F29F2E54AE2}" type="datetimeFigureOut">
               <a:rPr lang="pl-PL" smtClean="0"/>
-              <a:t>2019-03-21</a:t>
+              <a:t>2019-06-05</a:t>
             </a:fld>
             <a:endParaRPr lang="pl-PL"/>
           </a:p>
@@ -3944,6 +3952,1780 @@
   <p:clrMapOvr>
     <a:masterClrMapping/>
   </p:clrMapOvr>
+  <p:timing>
+    <p:tnLst>
+      <p:par>
+        <p:cTn id="1" dur="indefinite" restart="never" nodeType="tmRoot"/>
+      </p:par>
+    </p:tnLst>
+  </p:timing>
+</p:sld>
+</file>
+
+<file path=ppt/slides/slide2.xml><?xml version="1.0" encoding="utf-8"?>
+<p:sld xmlns:a="http://schemas.openxmlformats.org/drawingml/2006/main" xmlns:r="http://schemas.openxmlformats.org/officeDocument/2006/relationships" xmlns:p="http://schemas.openxmlformats.org/presentationml/2006/main">
+  <p:cSld>
+    <p:spTree>
+      <p:nvGrpSpPr>
+        <p:cNvPr id="1" name=""/>
+        <p:cNvGrpSpPr/>
+        <p:nvPr/>
+      </p:nvGrpSpPr>
+      <p:grpSpPr>
+        <a:xfrm>
+          <a:off x="0" y="0"/>
+          <a:ext cx="0" cy="0"/>
+          <a:chOff x="0" y="0"/>
+          <a:chExt cx="0" cy="0"/>
+        </a:xfrm>
+      </p:grpSpPr>
+      <p:sp>
+        <p:nvSpPr>
+          <p:cNvPr id="4" name="Pięciokąt 3"/>
+          <p:cNvSpPr/>
+          <p:nvPr/>
+        </p:nvSpPr>
+        <p:spPr>
+          <a:xfrm rot="16200000">
+            <a:off x="4765593" y="687859"/>
+            <a:ext cx="1243914" cy="1631093"/>
+          </a:xfrm>
+          <a:prstGeom prst="homePlate">
+            <a:avLst>
+              <a:gd name="adj" fmla="val 52445"/>
+            </a:avLst>
+          </a:prstGeom>
+          <a:ln w="28575"/>
+        </p:spPr>
+        <p:style>
+          <a:lnRef idx="2">
+            <a:schemeClr val="dk1"/>
+          </a:lnRef>
+          <a:fillRef idx="1">
+            <a:schemeClr val="lt1"/>
+          </a:fillRef>
+          <a:effectRef idx="0">
+            <a:schemeClr val="dk1"/>
+          </a:effectRef>
+          <a:fontRef idx="minor">
+            <a:schemeClr val="dk1"/>
+          </a:fontRef>
+        </p:style>
+        <p:txBody>
+          <a:bodyPr rtlCol="0" anchor="ctr"/>
+          <a:lstStyle/>
+          <a:p>
+            <a:pPr algn="ctr"/>
+            <a:endParaRPr lang="pl-PL"/>
+          </a:p>
+        </p:txBody>
+      </p:sp>
+      <p:cxnSp>
+        <p:nvCxnSpPr>
+          <p:cNvPr id="5" name="Łącznik prosty ze strzałką 4"/>
+          <p:cNvCxnSpPr/>
+          <p:nvPr/>
+        </p:nvCxnSpPr>
+        <p:spPr>
+          <a:xfrm flipV="1">
+            <a:off x="5387547" y="395417"/>
+            <a:ext cx="0" cy="1798518"/>
+          </a:xfrm>
+          <a:prstGeom prst="straightConnector1">
+            <a:avLst/>
+          </a:prstGeom>
+          <a:ln w="28575">
+            <a:solidFill>
+              <a:schemeClr val="tx1"/>
+            </a:solidFill>
+            <a:tailEnd type="triangle"/>
+          </a:ln>
+        </p:spPr>
+        <p:style>
+          <a:lnRef idx="1">
+            <a:schemeClr val="accent1"/>
+          </a:lnRef>
+          <a:fillRef idx="0">
+            <a:schemeClr val="accent1"/>
+          </a:fillRef>
+          <a:effectRef idx="0">
+            <a:schemeClr val="accent1"/>
+          </a:effectRef>
+          <a:fontRef idx="minor">
+            <a:schemeClr val="tx1"/>
+          </a:fontRef>
+        </p:style>
+      </p:cxnSp>
+      <p:cxnSp>
+        <p:nvCxnSpPr>
+          <p:cNvPr id="6" name="Łącznik prosty ze strzałką 5"/>
+          <p:cNvCxnSpPr/>
+          <p:nvPr/>
+        </p:nvCxnSpPr>
+        <p:spPr>
+          <a:xfrm>
+            <a:off x="1447595" y="2125363"/>
+            <a:ext cx="8161020" cy="0"/>
+          </a:xfrm>
+          <a:prstGeom prst="straightConnector1">
+            <a:avLst/>
+          </a:prstGeom>
+          <a:ln w="28575">
+            <a:solidFill>
+              <a:schemeClr val="tx1"/>
+            </a:solidFill>
+            <a:tailEnd type="triangle"/>
+          </a:ln>
+        </p:spPr>
+        <p:style>
+          <a:lnRef idx="1">
+            <a:schemeClr val="accent1"/>
+          </a:lnRef>
+          <a:fillRef idx="0">
+            <a:schemeClr val="accent1"/>
+          </a:fillRef>
+          <a:effectRef idx="0">
+            <a:schemeClr val="accent1"/>
+          </a:effectRef>
+          <a:fontRef idx="minor">
+            <a:schemeClr val="tx1"/>
+          </a:fontRef>
+        </p:style>
+      </p:cxnSp>
+      <p:cxnSp>
+        <p:nvCxnSpPr>
+          <p:cNvPr id="8" name="Łącznik prosty 7"/>
+          <p:cNvCxnSpPr/>
+          <p:nvPr/>
+        </p:nvCxnSpPr>
+        <p:spPr>
+          <a:xfrm>
+            <a:off x="6203093" y="2056789"/>
+            <a:ext cx="0" cy="137147"/>
+          </a:xfrm>
+          <a:prstGeom prst="line">
+            <a:avLst/>
+          </a:prstGeom>
+          <a:ln w="19050">
+            <a:solidFill>
+              <a:schemeClr val="tx1"/>
+            </a:solidFill>
+          </a:ln>
+        </p:spPr>
+        <p:style>
+          <a:lnRef idx="1">
+            <a:schemeClr val="accent1"/>
+          </a:lnRef>
+          <a:fillRef idx="0">
+            <a:schemeClr val="accent1"/>
+          </a:fillRef>
+          <a:effectRef idx="0">
+            <a:schemeClr val="accent1"/>
+          </a:effectRef>
+          <a:fontRef idx="minor">
+            <a:schemeClr val="tx1"/>
+          </a:fontRef>
+        </p:style>
+      </p:cxnSp>
+      <p:cxnSp>
+        <p:nvCxnSpPr>
+          <p:cNvPr id="11" name="Łącznik prosty 10"/>
+          <p:cNvCxnSpPr/>
+          <p:nvPr/>
+        </p:nvCxnSpPr>
+        <p:spPr>
+          <a:xfrm>
+            <a:off x="4572001" y="2048552"/>
+            <a:ext cx="0" cy="137147"/>
+          </a:xfrm>
+          <a:prstGeom prst="line">
+            <a:avLst/>
+          </a:prstGeom>
+          <a:ln w="19050">
+            <a:solidFill>
+              <a:schemeClr val="tx1"/>
+            </a:solidFill>
+          </a:ln>
+        </p:spPr>
+        <p:style>
+          <a:lnRef idx="1">
+            <a:schemeClr val="accent1"/>
+          </a:lnRef>
+          <a:fillRef idx="0">
+            <a:schemeClr val="accent1"/>
+          </a:fillRef>
+          <a:effectRef idx="0">
+            <a:schemeClr val="accent1"/>
+          </a:effectRef>
+          <a:fontRef idx="minor">
+            <a:schemeClr val="tx1"/>
+          </a:fontRef>
+        </p:style>
+      </p:cxnSp>
+      <p:cxnSp>
+        <p:nvCxnSpPr>
+          <p:cNvPr id="14" name="Łącznik prosty 13"/>
+          <p:cNvCxnSpPr/>
+          <p:nvPr/>
+        </p:nvCxnSpPr>
+        <p:spPr>
+          <a:xfrm>
+            <a:off x="5387547" y="2056789"/>
+            <a:ext cx="0" cy="137147"/>
+          </a:xfrm>
+          <a:prstGeom prst="line">
+            <a:avLst/>
+          </a:prstGeom>
+          <a:ln w="19050">
+            <a:solidFill>
+              <a:schemeClr val="tx1"/>
+            </a:solidFill>
+          </a:ln>
+        </p:spPr>
+        <p:style>
+          <a:lnRef idx="1">
+            <a:schemeClr val="accent1"/>
+          </a:lnRef>
+          <a:fillRef idx="0">
+            <a:schemeClr val="accent1"/>
+          </a:fillRef>
+          <a:effectRef idx="0">
+            <a:schemeClr val="accent1"/>
+          </a:effectRef>
+          <a:fontRef idx="minor">
+            <a:schemeClr val="tx1"/>
+          </a:fontRef>
+        </p:style>
+      </p:cxnSp>
+      <p:cxnSp>
+        <p:nvCxnSpPr>
+          <p:cNvPr id="20" name="Łącznik prosty 19"/>
+          <p:cNvCxnSpPr/>
+          <p:nvPr/>
+        </p:nvCxnSpPr>
+        <p:spPr>
+          <a:xfrm>
+            <a:off x="5387547" y="2048551"/>
+            <a:ext cx="0" cy="137147"/>
+          </a:xfrm>
+          <a:prstGeom prst="line">
+            <a:avLst/>
+          </a:prstGeom>
+          <a:ln w="19050">
+            <a:solidFill>
+              <a:schemeClr val="tx1"/>
+            </a:solidFill>
+          </a:ln>
+        </p:spPr>
+        <p:style>
+          <a:lnRef idx="1">
+            <a:schemeClr val="accent1"/>
+          </a:lnRef>
+          <a:fillRef idx="0">
+            <a:schemeClr val="accent1"/>
+          </a:fillRef>
+          <a:effectRef idx="0">
+            <a:schemeClr val="accent1"/>
+          </a:effectRef>
+          <a:fontRef idx="minor">
+            <a:schemeClr val="tx1"/>
+          </a:fontRef>
+        </p:style>
+      </p:cxnSp>
+      <p:sp>
+        <p:nvSpPr>
+          <p:cNvPr id="22" name="pole tekstowe 21"/>
+          <p:cNvSpPr txBox="1"/>
+          <p:nvPr/>
+        </p:nvSpPr>
+        <p:spPr>
+          <a:xfrm>
+            <a:off x="6069082" y="2262510"/>
+            <a:ext cx="268022" cy="276999"/>
+          </a:xfrm>
+          <a:prstGeom prst="rect">
+            <a:avLst/>
+          </a:prstGeom>
+          <a:noFill/>
+        </p:spPr>
+        <p:txBody>
+          <a:bodyPr wrap="none" rtlCol="0">
+            <a:spAutoFit/>
+          </a:bodyPr>
+          <a:lstStyle/>
+          <a:p>
+            <a:r>
+              <a:rPr lang="pl-PL" sz="1200" i="1" dirty="0" smtClean="0"/>
+              <a:t>B</a:t>
+            </a:r>
+            <a:endParaRPr lang="pl-PL" sz="1200" i="1" dirty="0"/>
+          </a:p>
+        </p:txBody>
+      </p:sp>
+      <p:sp>
+        <p:nvSpPr>
+          <p:cNvPr id="25" name="pole tekstowe 24"/>
+          <p:cNvSpPr txBox="1"/>
+          <p:nvPr/>
+        </p:nvSpPr>
+        <p:spPr>
+          <a:xfrm>
+            <a:off x="5172071" y="2262510"/>
+            <a:ext cx="369012" cy="276999"/>
+          </a:xfrm>
+          <a:prstGeom prst="rect">
+            <a:avLst/>
+          </a:prstGeom>
+          <a:noFill/>
+        </p:spPr>
+        <p:txBody>
+          <a:bodyPr wrap="none" rtlCol="0">
+            <a:spAutoFit/>
+          </a:bodyPr>
+          <a:lstStyle/>
+          <a:p>
+            <a:r>
+              <a:rPr lang="pl-PL" sz="1200" i="1" dirty="0" smtClean="0"/>
+              <a:t>   0</a:t>
+            </a:r>
+            <a:endParaRPr lang="pl-PL" sz="1200" i="1" dirty="0"/>
+          </a:p>
+        </p:txBody>
+      </p:sp>
+      <p:sp>
+        <p:nvSpPr>
+          <p:cNvPr id="27" name="pole tekstowe 26"/>
+          <p:cNvSpPr txBox="1"/>
+          <p:nvPr/>
+        </p:nvSpPr>
+        <p:spPr>
+          <a:xfrm>
+            <a:off x="4300150" y="2262510"/>
+            <a:ext cx="533810" cy="276999"/>
+          </a:xfrm>
+          <a:prstGeom prst="rect">
+            <a:avLst/>
+          </a:prstGeom>
+          <a:noFill/>
+        </p:spPr>
+        <p:txBody>
+          <a:bodyPr wrap="square" rtlCol="0">
+            <a:spAutoFit/>
+          </a:bodyPr>
+          <a:lstStyle/>
+          <a:p>
+            <a:pPr algn="ctr"/>
+            <a:r>
+              <a:rPr lang="pl-PL" sz="1200" i="1" dirty="0" smtClean="0"/>
+              <a:t>-B</a:t>
+            </a:r>
+            <a:endParaRPr lang="pl-PL" sz="1200" i="1" dirty="0"/>
+          </a:p>
+        </p:txBody>
+      </p:sp>
+      <p:sp>
+        <p:nvSpPr>
+          <p:cNvPr id="29" name="pole tekstowe 28"/>
+          <p:cNvSpPr txBox="1"/>
+          <p:nvPr/>
+        </p:nvSpPr>
+        <p:spPr>
+          <a:xfrm>
+            <a:off x="9193432" y="2193935"/>
+            <a:ext cx="1030988" cy="276999"/>
+          </a:xfrm>
+          <a:prstGeom prst="rect">
+            <a:avLst/>
+          </a:prstGeom>
+          <a:noFill/>
+        </p:spPr>
+        <p:txBody>
+          <a:bodyPr wrap="none" rtlCol="0">
+            <a:spAutoFit/>
+          </a:bodyPr>
+          <a:lstStyle/>
+          <a:p>
+            <a:r>
+              <a:rPr lang="pl-PL" sz="1200" dirty="0" smtClean="0"/>
+              <a:t>Częstotliwość</a:t>
+            </a:r>
+            <a:endParaRPr lang="pl-PL" sz="1200" dirty="0"/>
+          </a:p>
+        </p:txBody>
+      </p:sp>
+      <p:sp>
+        <p:nvSpPr>
+          <p:cNvPr id="30" name="pole tekstowe 29"/>
+          <p:cNvSpPr txBox="1"/>
+          <p:nvPr/>
+        </p:nvSpPr>
+        <p:spPr>
+          <a:xfrm>
+            <a:off x="5455540" y="361431"/>
+            <a:ext cx="1291251" cy="276999"/>
+          </a:xfrm>
+          <a:prstGeom prst="rect">
+            <a:avLst/>
+          </a:prstGeom>
+          <a:noFill/>
+        </p:spPr>
+        <p:txBody>
+          <a:bodyPr wrap="none" rtlCol="0">
+            <a:spAutoFit/>
+          </a:bodyPr>
+          <a:lstStyle/>
+          <a:p>
+            <a:r>
+              <a:rPr lang="pl-PL" sz="1200" dirty="0" smtClean="0"/>
+              <a:t>Widmo dyskretne</a:t>
+            </a:r>
+            <a:endParaRPr lang="pl-PL" sz="1200" dirty="0"/>
+          </a:p>
+        </p:txBody>
+      </p:sp>
+    </p:spTree>
+    <p:extLst>
+      <p:ext uri="{BB962C8B-B14F-4D97-AF65-F5344CB8AC3E}">
+        <p14:creationId xmlns:p14="http://schemas.microsoft.com/office/powerpoint/2010/main" val="239991548"/>
+      </p:ext>
+    </p:extLst>
+  </p:cSld>
+  <p:clrMapOvr>
+    <a:masterClrMapping/>
+  </p:clrMapOvr>
+  <p:timing>
+    <p:tnLst>
+      <p:par>
+        <p:cTn id="1" dur="indefinite" restart="never" nodeType="tmRoot"/>
+      </p:par>
+    </p:tnLst>
+  </p:timing>
+</p:sld>
+</file>
+
+<file path=ppt/slides/slide3.xml><?xml version="1.0" encoding="utf-8"?>
+<p:sld xmlns:a="http://schemas.openxmlformats.org/drawingml/2006/main" xmlns:r="http://schemas.openxmlformats.org/officeDocument/2006/relationships" xmlns:p="http://schemas.openxmlformats.org/presentationml/2006/main">
+  <p:cSld>
+    <p:spTree>
+      <p:nvGrpSpPr>
+        <p:cNvPr id="1" name=""/>
+        <p:cNvGrpSpPr/>
+        <p:nvPr/>
+      </p:nvGrpSpPr>
+      <p:grpSpPr>
+        <a:xfrm>
+          <a:off x="0" y="0"/>
+          <a:ext cx="0" cy="0"/>
+          <a:chOff x="0" y="0"/>
+          <a:chExt cx="0" cy="0"/>
+        </a:xfrm>
+      </p:grpSpPr>
+      <p:sp>
+        <p:nvSpPr>
+          <p:cNvPr id="54" name="Pięciokąt 53"/>
+          <p:cNvSpPr/>
+          <p:nvPr/>
+        </p:nvSpPr>
+        <p:spPr>
+          <a:xfrm rot="16200000">
+            <a:off x="8101445" y="1531967"/>
+            <a:ext cx="1243914" cy="2174796"/>
+          </a:xfrm>
+          <a:prstGeom prst="homePlate">
+            <a:avLst>
+              <a:gd name="adj" fmla="val 52445"/>
+            </a:avLst>
+          </a:prstGeom>
+          <a:noFill/>
+          <a:ln w="28575"/>
+        </p:spPr>
+        <p:style>
+          <a:lnRef idx="2">
+            <a:schemeClr val="dk1"/>
+          </a:lnRef>
+          <a:fillRef idx="1">
+            <a:schemeClr val="lt1"/>
+          </a:fillRef>
+          <a:effectRef idx="0">
+            <a:schemeClr val="dk1"/>
+          </a:effectRef>
+          <a:fontRef idx="minor">
+            <a:schemeClr val="dk1"/>
+          </a:fontRef>
+        </p:style>
+        <p:txBody>
+          <a:bodyPr rtlCol="0" anchor="ctr"/>
+          <a:lstStyle/>
+          <a:p>
+            <a:pPr algn="ctr"/>
+            <a:endParaRPr lang="pl-PL"/>
+          </a:p>
+        </p:txBody>
+      </p:sp>
+      <p:sp>
+        <p:nvSpPr>
+          <p:cNvPr id="51" name="Pięciokąt 50"/>
+          <p:cNvSpPr/>
+          <p:nvPr/>
+        </p:nvSpPr>
+        <p:spPr>
+          <a:xfrm rot="16200000">
+            <a:off x="6465408" y="1528675"/>
+            <a:ext cx="1243914" cy="2164903"/>
+          </a:xfrm>
+          <a:prstGeom prst="homePlate">
+            <a:avLst>
+              <a:gd name="adj" fmla="val 52445"/>
+            </a:avLst>
+          </a:prstGeom>
+          <a:noFill/>
+          <a:ln w="28575"/>
+        </p:spPr>
+        <p:style>
+          <a:lnRef idx="2">
+            <a:schemeClr val="dk1"/>
+          </a:lnRef>
+          <a:fillRef idx="1">
+            <a:schemeClr val="lt1"/>
+          </a:fillRef>
+          <a:effectRef idx="0">
+            <a:schemeClr val="dk1"/>
+          </a:effectRef>
+          <a:fontRef idx="minor">
+            <a:schemeClr val="dk1"/>
+          </a:fontRef>
+        </p:style>
+        <p:txBody>
+          <a:bodyPr rtlCol="0" anchor="ctr"/>
+          <a:lstStyle/>
+          <a:p>
+            <a:pPr algn="ctr"/>
+            <a:endParaRPr lang="pl-PL"/>
+          </a:p>
+        </p:txBody>
+      </p:sp>
+      <p:sp>
+        <p:nvSpPr>
+          <p:cNvPr id="33" name="Pięciokąt 32"/>
+          <p:cNvSpPr/>
+          <p:nvPr/>
+        </p:nvSpPr>
+        <p:spPr>
+          <a:xfrm rot="16200000">
+            <a:off x="4844205" y="1536913"/>
+            <a:ext cx="1243914" cy="2164903"/>
+          </a:xfrm>
+          <a:prstGeom prst="homePlate">
+            <a:avLst>
+              <a:gd name="adj" fmla="val 52445"/>
+            </a:avLst>
+          </a:prstGeom>
+          <a:ln w="28575"/>
+        </p:spPr>
+        <p:style>
+          <a:lnRef idx="2">
+            <a:schemeClr val="dk1"/>
+          </a:lnRef>
+          <a:fillRef idx="1">
+            <a:schemeClr val="lt1"/>
+          </a:fillRef>
+          <a:effectRef idx="0">
+            <a:schemeClr val="dk1"/>
+          </a:effectRef>
+          <a:fontRef idx="minor">
+            <a:schemeClr val="dk1"/>
+          </a:fontRef>
+        </p:style>
+        <p:txBody>
+          <a:bodyPr rtlCol="0" anchor="ctr"/>
+          <a:lstStyle/>
+          <a:p>
+            <a:pPr algn="ctr"/>
+            <a:endParaRPr lang="pl-PL"/>
+          </a:p>
+        </p:txBody>
+      </p:sp>
+      <p:sp>
+        <p:nvSpPr>
+          <p:cNvPr id="36" name="Pięciokąt 35"/>
+          <p:cNvSpPr/>
+          <p:nvPr/>
+        </p:nvSpPr>
+        <p:spPr>
+          <a:xfrm rot="16200000">
+            <a:off x="1572131" y="1536911"/>
+            <a:ext cx="1243914" cy="2164903"/>
+          </a:xfrm>
+          <a:prstGeom prst="homePlate">
+            <a:avLst>
+              <a:gd name="adj" fmla="val 52445"/>
+            </a:avLst>
+          </a:prstGeom>
+          <a:noFill/>
+          <a:ln w="28575"/>
+        </p:spPr>
+        <p:style>
+          <a:lnRef idx="2">
+            <a:schemeClr val="dk1"/>
+          </a:lnRef>
+          <a:fillRef idx="1">
+            <a:schemeClr val="lt1"/>
+          </a:fillRef>
+          <a:effectRef idx="0">
+            <a:schemeClr val="dk1"/>
+          </a:effectRef>
+          <a:fontRef idx="minor">
+            <a:schemeClr val="dk1"/>
+          </a:fontRef>
+        </p:style>
+        <p:txBody>
+          <a:bodyPr rtlCol="0" anchor="ctr"/>
+          <a:lstStyle/>
+          <a:p>
+            <a:pPr algn="ctr"/>
+            <a:endParaRPr lang="pl-PL"/>
+          </a:p>
+        </p:txBody>
+      </p:sp>
+      <p:sp>
+        <p:nvSpPr>
+          <p:cNvPr id="34" name="Pięciokąt 33"/>
+          <p:cNvSpPr/>
+          <p:nvPr/>
+        </p:nvSpPr>
+        <p:spPr>
+          <a:xfrm rot="16200000">
+            <a:off x="6462937" y="1523728"/>
+            <a:ext cx="1243914" cy="2174796"/>
+          </a:xfrm>
+          <a:prstGeom prst="homePlate">
+            <a:avLst>
+              <a:gd name="adj" fmla="val 52445"/>
+            </a:avLst>
+          </a:prstGeom>
+          <a:noFill/>
+          <a:ln w="28575"/>
+        </p:spPr>
+        <p:style>
+          <a:lnRef idx="2">
+            <a:schemeClr val="dk1"/>
+          </a:lnRef>
+          <a:fillRef idx="1">
+            <a:schemeClr val="lt1"/>
+          </a:fillRef>
+          <a:effectRef idx="0">
+            <a:schemeClr val="dk1"/>
+          </a:effectRef>
+          <a:fontRef idx="minor">
+            <a:schemeClr val="dk1"/>
+          </a:fontRef>
+        </p:style>
+        <p:txBody>
+          <a:bodyPr rtlCol="0" anchor="ctr"/>
+          <a:lstStyle/>
+          <a:p>
+            <a:pPr algn="ctr"/>
+            <a:endParaRPr lang="pl-PL"/>
+          </a:p>
+        </p:txBody>
+      </p:sp>
+      <p:cxnSp>
+        <p:nvCxnSpPr>
+          <p:cNvPr id="5" name="Łącznik prosty ze strzałką 4"/>
+          <p:cNvCxnSpPr/>
+          <p:nvPr/>
+        </p:nvCxnSpPr>
+        <p:spPr>
+          <a:xfrm flipV="1">
+            <a:off x="5476046" y="1511379"/>
+            <a:ext cx="0" cy="1798518"/>
+          </a:xfrm>
+          <a:prstGeom prst="straightConnector1">
+            <a:avLst/>
+          </a:prstGeom>
+          <a:ln w="28575">
+            <a:solidFill>
+              <a:schemeClr val="tx1"/>
+            </a:solidFill>
+            <a:tailEnd type="triangle"/>
+          </a:ln>
+        </p:spPr>
+        <p:style>
+          <a:lnRef idx="1">
+            <a:schemeClr val="accent1"/>
+          </a:lnRef>
+          <a:fillRef idx="0">
+            <a:schemeClr val="accent1"/>
+          </a:fillRef>
+          <a:effectRef idx="0">
+            <a:schemeClr val="accent1"/>
+          </a:effectRef>
+          <a:fontRef idx="minor">
+            <a:schemeClr val="tx1"/>
+          </a:fontRef>
+        </p:style>
+      </p:cxnSp>
+      <p:cxnSp>
+        <p:nvCxnSpPr>
+          <p:cNvPr id="18" name="Łącznik prosty 17"/>
+          <p:cNvCxnSpPr/>
+          <p:nvPr/>
+        </p:nvCxnSpPr>
+        <p:spPr>
+          <a:xfrm>
+            <a:off x="6291592" y="3172751"/>
+            <a:ext cx="0" cy="137147"/>
+          </a:xfrm>
+          <a:prstGeom prst="line">
+            <a:avLst/>
+          </a:prstGeom>
+          <a:ln w="19050">
+            <a:solidFill>
+              <a:schemeClr val="tx1"/>
+            </a:solidFill>
+          </a:ln>
+        </p:spPr>
+        <p:style>
+          <a:lnRef idx="1">
+            <a:schemeClr val="accent1"/>
+          </a:lnRef>
+          <a:fillRef idx="0">
+            <a:schemeClr val="accent1"/>
+          </a:fillRef>
+          <a:effectRef idx="0">
+            <a:schemeClr val="accent1"/>
+          </a:effectRef>
+          <a:fontRef idx="minor">
+            <a:schemeClr val="tx1"/>
+          </a:fontRef>
+        </p:style>
+      </p:cxnSp>
+      <p:cxnSp>
+        <p:nvCxnSpPr>
+          <p:cNvPr id="37" name="Łącznik prosty 36"/>
+          <p:cNvCxnSpPr/>
+          <p:nvPr/>
+        </p:nvCxnSpPr>
+        <p:spPr>
+          <a:xfrm>
+            <a:off x="4660500" y="3164514"/>
+            <a:ext cx="0" cy="137147"/>
+          </a:xfrm>
+          <a:prstGeom prst="line">
+            <a:avLst/>
+          </a:prstGeom>
+          <a:ln w="19050">
+            <a:solidFill>
+              <a:schemeClr val="tx1"/>
+            </a:solidFill>
+          </a:ln>
+        </p:spPr>
+        <p:style>
+          <a:lnRef idx="1">
+            <a:schemeClr val="accent1"/>
+          </a:lnRef>
+          <a:fillRef idx="0">
+            <a:schemeClr val="accent1"/>
+          </a:fillRef>
+          <a:effectRef idx="0">
+            <a:schemeClr val="accent1"/>
+          </a:effectRef>
+          <a:fontRef idx="minor">
+            <a:schemeClr val="tx1"/>
+          </a:fontRef>
+        </p:style>
+      </p:cxnSp>
+      <p:sp>
+        <p:nvSpPr>
+          <p:cNvPr id="39" name="Pięciokąt 38"/>
+          <p:cNvSpPr/>
+          <p:nvPr/>
+        </p:nvSpPr>
+        <p:spPr>
+          <a:xfrm rot="16200000">
+            <a:off x="3200748" y="1528673"/>
+            <a:ext cx="1243914" cy="2164903"/>
+          </a:xfrm>
+          <a:prstGeom prst="homePlate">
+            <a:avLst>
+              <a:gd name="adj" fmla="val 52445"/>
+            </a:avLst>
+          </a:prstGeom>
+          <a:noFill/>
+          <a:ln w="28575"/>
+        </p:spPr>
+        <p:style>
+          <a:lnRef idx="2">
+            <a:schemeClr val="dk1"/>
+          </a:lnRef>
+          <a:fillRef idx="1">
+            <a:schemeClr val="lt1"/>
+          </a:fillRef>
+          <a:effectRef idx="0">
+            <a:schemeClr val="dk1"/>
+          </a:effectRef>
+          <a:fontRef idx="minor">
+            <a:schemeClr val="dk1"/>
+          </a:fontRef>
+        </p:style>
+        <p:txBody>
+          <a:bodyPr rtlCol="0" anchor="ctr"/>
+          <a:lstStyle/>
+          <a:p>
+            <a:pPr algn="ctr"/>
+            <a:endParaRPr lang="pl-PL"/>
+          </a:p>
+        </p:txBody>
+      </p:sp>
+      <p:cxnSp>
+        <p:nvCxnSpPr>
+          <p:cNvPr id="41" name="Łącznik prosty 40"/>
+          <p:cNvCxnSpPr/>
+          <p:nvPr/>
+        </p:nvCxnSpPr>
+        <p:spPr>
+          <a:xfrm>
+            <a:off x="5476046" y="3172751"/>
+            <a:ext cx="0" cy="137147"/>
+          </a:xfrm>
+          <a:prstGeom prst="line">
+            <a:avLst/>
+          </a:prstGeom>
+          <a:ln w="19050">
+            <a:solidFill>
+              <a:schemeClr val="tx1"/>
+            </a:solidFill>
+          </a:ln>
+        </p:spPr>
+        <p:style>
+          <a:lnRef idx="1">
+            <a:schemeClr val="accent1"/>
+          </a:lnRef>
+          <a:fillRef idx="0">
+            <a:schemeClr val="accent1"/>
+          </a:fillRef>
+          <a:effectRef idx="0">
+            <a:schemeClr val="accent1"/>
+          </a:effectRef>
+          <a:fontRef idx="minor">
+            <a:schemeClr val="tx1"/>
+          </a:fontRef>
+        </p:style>
+      </p:cxnSp>
+      <p:cxnSp>
+        <p:nvCxnSpPr>
+          <p:cNvPr id="42" name="Łącznik prosty 41"/>
+          <p:cNvCxnSpPr/>
+          <p:nvPr/>
+        </p:nvCxnSpPr>
+        <p:spPr>
+          <a:xfrm>
+            <a:off x="7107141" y="3164513"/>
+            <a:ext cx="0" cy="137147"/>
+          </a:xfrm>
+          <a:prstGeom prst="line">
+            <a:avLst/>
+          </a:prstGeom>
+          <a:ln w="19050">
+            <a:solidFill>
+              <a:schemeClr val="tx1"/>
+            </a:solidFill>
+          </a:ln>
+        </p:spPr>
+        <p:style>
+          <a:lnRef idx="1">
+            <a:schemeClr val="accent1"/>
+          </a:lnRef>
+          <a:fillRef idx="0">
+            <a:schemeClr val="accent1"/>
+          </a:fillRef>
+          <a:effectRef idx="0">
+            <a:schemeClr val="accent1"/>
+          </a:effectRef>
+          <a:fontRef idx="minor">
+            <a:schemeClr val="tx1"/>
+          </a:fontRef>
+        </p:style>
+      </p:cxnSp>
+      <p:cxnSp>
+        <p:nvCxnSpPr>
+          <p:cNvPr id="43" name="Łącznik prosty 42"/>
+          <p:cNvCxnSpPr/>
+          <p:nvPr/>
+        </p:nvCxnSpPr>
+        <p:spPr>
+          <a:xfrm>
+            <a:off x="3844954" y="3164514"/>
+            <a:ext cx="0" cy="137147"/>
+          </a:xfrm>
+          <a:prstGeom prst="line">
+            <a:avLst/>
+          </a:prstGeom>
+          <a:ln w="19050">
+            <a:solidFill>
+              <a:schemeClr val="tx1"/>
+            </a:solidFill>
+          </a:ln>
+        </p:spPr>
+        <p:style>
+          <a:lnRef idx="1">
+            <a:schemeClr val="accent1"/>
+          </a:lnRef>
+          <a:fillRef idx="0">
+            <a:schemeClr val="accent1"/>
+          </a:fillRef>
+          <a:effectRef idx="0">
+            <a:schemeClr val="accent1"/>
+          </a:effectRef>
+          <a:fontRef idx="minor">
+            <a:schemeClr val="tx1"/>
+          </a:fontRef>
+        </p:style>
+      </p:cxnSp>
+      <p:cxnSp>
+        <p:nvCxnSpPr>
+          <p:cNvPr id="44" name="Łącznik prosty 43"/>
+          <p:cNvCxnSpPr/>
+          <p:nvPr/>
+        </p:nvCxnSpPr>
+        <p:spPr>
+          <a:xfrm>
+            <a:off x="2213859" y="3164513"/>
+            <a:ext cx="0" cy="137147"/>
+          </a:xfrm>
+          <a:prstGeom prst="line">
+            <a:avLst/>
+          </a:prstGeom>
+          <a:ln w="19050">
+            <a:solidFill>
+              <a:schemeClr val="tx1"/>
+            </a:solidFill>
+          </a:ln>
+        </p:spPr>
+        <p:style>
+          <a:lnRef idx="1">
+            <a:schemeClr val="accent1"/>
+          </a:lnRef>
+          <a:fillRef idx="0">
+            <a:schemeClr val="accent1"/>
+          </a:fillRef>
+          <a:effectRef idx="0">
+            <a:schemeClr val="accent1"/>
+          </a:effectRef>
+          <a:fontRef idx="minor">
+            <a:schemeClr val="tx1"/>
+          </a:fontRef>
+        </p:style>
+      </p:cxnSp>
+      <p:cxnSp>
+        <p:nvCxnSpPr>
+          <p:cNvPr id="45" name="Łącznik prosty 44"/>
+          <p:cNvCxnSpPr/>
+          <p:nvPr/>
+        </p:nvCxnSpPr>
+        <p:spPr>
+          <a:xfrm>
+            <a:off x="7107138" y="3172750"/>
+            <a:ext cx="0" cy="137147"/>
+          </a:xfrm>
+          <a:prstGeom prst="line">
+            <a:avLst/>
+          </a:prstGeom>
+          <a:ln w="19050">
+            <a:solidFill>
+              <a:schemeClr val="tx1"/>
+            </a:solidFill>
+          </a:ln>
+        </p:spPr>
+        <p:style>
+          <a:lnRef idx="1">
+            <a:schemeClr val="accent1"/>
+          </a:lnRef>
+          <a:fillRef idx="0">
+            <a:schemeClr val="accent1"/>
+          </a:fillRef>
+          <a:effectRef idx="0">
+            <a:schemeClr val="accent1"/>
+          </a:effectRef>
+          <a:fontRef idx="minor">
+            <a:schemeClr val="tx1"/>
+          </a:fontRef>
+        </p:style>
+      </p:cxnSp>
+      <p:cxnSp>
+        <p:nvCxnSpPr>
+          <p:cNvPr id="46" name="Łącznik prosty 45"/>
+          <p:cNvCxnSpPr/>
+          <p:nvPr/>
+        </p:nvCxnSpPr>
+        <p:spPr>
+          <a:xfrm>
+            <a:off x="8738233" y="3164512"/>
+            <a:ext cx="0" cy="137147"/>
+          </a:xfrm>
+          <a:prstGeom prst="line">
+            <a:avLst/>
+          </a:prstGeom>
+          <a:ln w="19050">
+            <a:solidFill>
+              <a:schemeClr val="tx1"/>
+            </a:solidFill>
+          </a:ln>
+        </p:spPr>
+        <p:style>
+          <a:lnRef idx="1">
+            <a:schemeClr val="accent1"/>
+          </a:lnRef>
+          <a:fillRef idx="0">
+            <a:schemeClr val="accent1"/>
+          </a:fillRef>
+          <a:effectRef idx="0">
+            <a:schemeClr val="accent1"/>
+          </a:effectRef>
+          <a:fontRef idx="minor">
+            <a:schemeClr val="tx1"/>
+          </a:fontRef>
+        </p:style>
+      </p:cxnSp>
+      <p:cxnSp>
+        <p:nvCxnSpPr>
+          <p:cNvPr id="47" name="Łącznik prosty 46"/>
+          <p:cNvCxnSpPr/>
+          <p:nvPr/>
+        </p:nvCxnSpPr>
+        <p:spPr>
+          <a:xfrm>
+            <a:off x="5476046" y="3164513"/>
+            <a:ext cx="0" cy="137147"/>
+          </a:xfrm>
+          <a:prstGeom prst="line">
+            <a:avLst/>
+          </a:prstGeom>
+          <a:ln w="19050">
+            <a:solidFill>
+              <a:schemeClr val="tx1"/>
+            </a:solidFill>
+          </a:ln>
+        </p:spPr>
+        <p:style>
+          <a:lnRef idx="1">
+            <a:schemeClr val="accent1"/>
+          </a:lnRef>
+          <a:fillRef idx="0">
+            <a:schemeClr val="accent1"/>
+          </a:fillRef>
+          <a:effectRef idx="0">
+            <a:schemeClr val="accent1"/>
+          </a:effectRef>
+          <a:fontRef idx="minor">
+            <a:schemeClr val="tx1"/>
+          </a:fontRef>
+        </p:style>
+      </p:cxnSp>
+      <p:cxnSp>
+        <p:nvCxnSpPr>
+          <p:cNvPr id="48" name="Łącznik prosty 47"/>
+          <p:cNvCxnSpPr/>
+          <p:nvPr/>
+        </p:nvCxnSpPr>
+        <p:spPr>
+          <a:xfrm>
+            <a:off x="3844951" y="3164512"/>
+            <a:ext cx="0" cy="137147"/>
+          </a:xfrm>
+          <a:prstGeom prst="line">
+            <a:avLst/>
+          </a:prstGeom>
+          <a:ln w="19050">
+            <a:solidFill>
+              <a:schemeClr val="tx1"/>
+            </a:solidFill>
+          </a:ln>
+        </p:spPr>
+        <p:style>
+          <a:lnRef idx="1">
+            <a:schemeClr val="accent1"/>
+          </a:lnRef>
+          <a:fillRef idx="0">
+            <a:schemeClr val="accent1"/>
+          </a:fillRef>
+          <a:effectRef idx="0">
+            <a:schemeClr val="accent1"/>
+          </a:effectRef>
+          <a:fontRef idx="minor">
+            <a:schemeClr val="tx1"/>
+          </a:fontRef>
+        </p:style>
+      </p:cxnSp>
+      <p:sp>
+        <p:nvSpPr>
+          <p:cNvPr id="49" name="pole tekstowe 48"/>
+          <p:cNvSpPr txBox="1"/>
+          <p:nvPr/>
+        </p:nvSpPr>
+        <p:spPr>
+          <a:xfrm>
+            <a:off x="6076116" y="3378472"/>
+            <a:ext cx="501484" cy="276999"/>
+          </a:xfrm>
+          <a:prstGeom prst="rect">
+            <a:avLst/>
+          </a:prstGeom>
+          <a:noFill/>
+        </p:spPr>
+        <p:txBody>
+          <a:bodyPr wrap="none" rtlCol="0">
+            <a:spAutoFit/>
+          </a:bodyPr>
+          <a:lstStyle/>
+          <a:p>
+            <a:r>
+              <a:rPr lang="pl-PL" sz="1200" i="1" dirty="0" smtClean="0"/>
+              <a:t>  f</a:t>
+            </a:r>
+            <a:r>
+              <a:rPr lang="pl-PL" sz="1200" i="1" baseline="-25000" dirty="0" smtClean="0"/>
+              <a:t>s </a:t>
+            </a:r>
+            <a:r>
+              <a:rPr lang="pl-PL" sz="1200" i="1" dirty="0" smtClean="0"/>
+              <a:t>/2</a:t>
+            </a:r>
+            <a:endParaRPr lang="pl-PL" sz="1200" i="1" dirty="0"/>
+          </a:p>
+        </p:txBody>
+      </p:sp>
+      <p:sp>
+        <p:nvSpPr>
+          <p:cNvPr id="50" name="pole tekstowe 49"/>
+          <p:cNvSpPr txBox="1"/>
+          <p:nvPr/>
+        </p:nvSpPr>
+        <p:spPr>
+          <a:xfrm>
+            <a:off x="6891662" y="3378472"/>
+            <a:ext cx="376450" cy="276999"/>
+          </a:xfrm>
+          <a:prstGeom prst="rect">
+            <a:avLst/>
+          </a:prstGeom>
+          <a:noFill/>
+        </p:spPr>
+        <p:txBody>
+          <a:bodyPr wrap="none" rtlCol="0">
+            <a:spAutoFit/>
+          </a:bodyPr>
+          <a:lstStyle/>
+          <a:p>
+            <a:r>
+              <a:rPr lang="pl-PL" sz="1200" i="1" dirty="0" smtClean="0"/>
+              <a:t>   f</a:t>
+            </a:r>
+            <a:r>
+              <a:rPr lang="pl-PL" sz="1200" i="1" baseline="-25000" dirty="0" smtClean="0"/>
+              <a:t>s</a:t>
+            </a:r>
+            <a:endParaRPr lang="pl-PL" sz="1200" i="1" dirty="0"/>
+          </a:p>
+        </p:txBody>
+      </p:sp>
+      <p:sp>
+        <p:nvSpPr>
+          <p:cNvPr id="52" name="pole tekstowe 51"/>
+          <p:cNvSpPr txBox="1"/>
+          <p:nvPr/>
+        </p:nvSpPr>
+        <p:spPr>
+          <a:xfrm>
+            <a:off x="8522754" y="3378472"/>
+            <a:ext cx="419730" cy="276999"/>
+          </a:xfrm>
+          <a:prstGeom prst="rect">
+            <a:avLst/>
+          </a:prstGeom>
+          <a:noFill/>
+        </p:spPr>
+        <p:txBody>
+          <a:bodyPr wrap="none" rtlCol="0">
+            <a:spAutoFit/>
+          </a:bodyPr>
+          <a:lstStyle/>
+          <a:p>
+            <a:r>
+              <a:rPr lang="pl-PL" sz="1200" i="1" dirty="0" smtClean="0"/>
+              <a:t>  2f</a:t>
+            </a:r>
+            <a:r>
+              <a:rPr lang="pl-PL" sz="1200" i="1" baseline="-25000" dirty="0" smtClean="0"/>
+              <a:t>s</a:t>
+            </a:r>
+            <a:endParaRPr lang="pl-PL" sz="1200" i="1" dirty="0"/>
+          </a:p>
+        </p:txBody>
+      </p:sp>
+      <p:sp>
+        <p:nvSpPr>
+          <p:cNvPr id="53" name="pole tekstowe 52"/>
+          <p:cNvSpPr txBox="1"/>
+          <p:nvPr/>
+        </p:nvSpPr>
+        <p:spPr>
+          <a:xfrm>
+            <a:off x="5260570" y="3378472"/>
+            <a:ext cx="369012" cy="276999"/>
+          </a:xfrm>
+          <a:prstGeom prst="rect">
+            <a:avLst/>
+          </a:prstGeom>
+          <a:noFill/>
+        </p:spPr>
+        <p:txBody>
+          <a:bodyPr wrap="none" rtlCol="0">
+            <a:spAutoFit/>
+          </a:bodyPr>
+          <a:lstStyle/>
+          <a:p>
+            <a:r>
+              <a:rPr lang="pl-PL" sz="1200" i="1" dirty="0" smtClean="0"/>
+              <a:t>   0</a:t>
+            </a:r>
+            <a:endParaRPr lang="pl-PL" sz="1200" i="1" dirty="0"/>
+          </a:p>
+        </p:txBody>
+      </p:sp>
+      <p:sp>
+        <p:nvSpPr>
+          <p:cNvPr id="56" name="pole tekstowe 55"/>
+          <p:cNvSpPr txBox="1"/>
+          <p:nvPr/>
+        </p:nvSpPr>
+        <p:spPr>
+          <a:xfrm>
+            <a:off x="3629475" y="3378472"/>
+            <a:ext cx="387670" cy="276999"/>
+          </a:xfrm>
+          <a:prstGeom prst="rect">
+            <a:avLst/>
+          </a:prstGeom>
+          <a:noFill/>
+        </p:spPr>
+        <p:txBody>
+          <a:bodyPr wrap="none" rtlCol="0">
+            <a:spAutoFit/>
+          </a:bodyPr>
+          <a:lstStyle/>
+          <a:p>
+            <a:r>
+              <a:rPr lang="pl-PL" sz="1200" i="1" dirty="0" smtClean="0"/>
+              <a:t>  -f</a:t>
+            </a:r>
+            <a:r>
+              <a:rPr lang="pl-PL" sz="1200" i="1" baseline="-25000" dirty="0" smtClean="0"/>
+              <a:t>s</a:t>
+            </a:r>
+            <a:endParaRPr lang="pl-PL" sz="1200" i="1" dirty="0"/>
+          </a:p>
+        </p:txBody>
+      </p:sp>
+      <p:sp>
+        <p:nvSpPr>
+          <p:cNvPr id="57" name="pole tekstowe 56"/>
+          <p:cNvSpPr txBox="1"/>
+          <p:nvPr/>
+        </p:nvSpPr>
+        <p:spPr>
+          <a:xfrm>
+            <a:off x="4388649" y="3378472"/>
+            <a:ext cx="533810" cy="276999"/>
+          </a:xfrm>
+          <a:prstGeom prst="rect">
+            <a:avLst/>
+          </a:prstGeom>
+          <a:noFill/>
+        </p:spPr>
+        <p:txBody>
+          <a:bodyPr wrap="square" rtlCol="0">
+            <a:spAutoFit/>
+          </a:bodyPr>
+          <a:lstStyle/>
+          <a:p>
+            <a:r>
+              <a:rPr lang="pl-PL" sz="1200" i="1" dirty="0" smtClean="0"/>
+              <a:t> -f</a:t>
+            </a:r>
+            <a:r>
+              <a:rPr lang="pl-PL" sz="1200" i="1" baseline="-25000" dirty="0" smtClean="0"/>
+              <a:t>s </a:t>
+            </a:r>
+            <a:r>
+              <a:rPr lang="pl-PL" sz="1200" i="1" dirty="0" smtClean="0"/>
+              <a:t>/2</a:t>
+            </a:r>
+            <a:endParaRPr lang="pl-PL" sz="1200" i="1" dirty="0"/>
+          </a:p>
+        </p:txBody>
+      </p:sp>
+      <p:sp>
+        <p:nvSpPr>
+          <p:cNvPr id="58" name="pole tekstowe 57"/>
+          <p:cNvSpPr txBox="1"/>
+          <p:nvPr/>
+        </p:nvSpPr>
+        <p:spPr>
+          <a:xfrm>
+            <a:off x="1998383" y="3378472"/>
+            <a:ext cx="395686" cy="276999"/>
+          </a:xfrm>
+          <a:prstGeom prst="rect">
+            <a:avLst/>
+          </a:prstGeom>
+          <a:noFill/>
+        </p:spPr>
+        <p:txBody>
+          <a:bodyPr wrap="none" rtlCol="0">
+            <a:spAutoFit/>
+          </a:bodyPr>
+          <a:lstStyle/>
+          <a:p>
+            <a:r>
+              <a:rPr lang="pl-PL" sz="1200" i="1" dirty="0" smtClean="0"/>
+              <a:t>-2f</a:t>
+            </a:r>
+            <a:r>
+              <a:rPr lang="pl-PL" sz="1200" i="1" baseline="-25000" dirty="0" smtClean="0"/>
+              <a:t>s</a:t>
+            </a:r>
+            <a:endParaRPr lang="pl-PL" sz="1200" i="1" dirty="0"/>
+          </a:p>
+        </p:txBody>
+      </p:sp>
+      <p:sp>
+        <p:nvSpPr>
+          <p:cNvPr id="59" name="pole tekstowe 58"/>
+          <p:cNvSpPr txBox="1"/>
+          <p:nvPr/>
+        </p:nvSpPr>
+        <p:spPr>
+          <a:xfrm>
+            <a:off x="9281931" y="3309897"/>
+            <a:ext cx="1030988" cy="276999"/>
+          </a:xfrm>
+          <a:prstGeom prst="rect">
+            <a:avLst/>
+          </a:prstGeom>
+          <a:noFill/>
+        </p:spPr>
+        <p:txBody>
+          <a:bodyPr wrap="none" rtlCol="0">
+            <a:spAutoFit/>
+          </a:bodyPr>
+          <a:lstStyle/>
+          <a:p>
+            <a:r>
+              <a:rPr lang="pl-PL" sz="1200" dirty="0" smtClean="0"/>
+              <a:t>Częstotliwość</a:t>
+            </a:r>
+            <a:endParaRPr lang="pl-PL" sz="1200" dirty="0"/>
+          </a:p>
+        </p:txBody>
+      </p:sp>
+      <p:sp>
+        <p:nvSpPr>
+          <p:cNvPr id="60" name="pole tekstowe 59"/>
+          <p:cNvSpPr txBox="1"/>
+          <p:nvPr/>
+        </p:nvSpPr>
+        <p:spPr>
+          <a:xfrm>
+            <a:off x="5544039" y="1477393"/>
+            <a:ext cx="1291251" cy="276999"/>
+          </a:xfrm>
+          <a:prstGeom prst="rect">
+            <a:avLst/>
+          </a:prstGeom>
+          <a:noFill/>
+        </p:spPr>
+        <p:txBody>
+          <a:bodyPr wrap="none" rtlCol="0">
+            <a:spAutoFit/>
+          </a:bodyPr>
+          <a:lstStyle/>
+          <a:p>
+            <a:r>
+              <a:rPr lang="pl-PL" sz="1200" dirty="0" smtClean="0"/>
+              <a:t>Widmo dyskretne</a:t>
+            </a:r>
+            <a:endParaRPr lang="pl-PL" sz="1200" dirty="0"/>
+          </a:p>
+        </p:txBody>
+      </p:sp>
+      <p:sp>
+        <p:nvSpPr>
+          <p:cNvPr id="3" name="Prostokąt 2"/>
+          <p:cNvSpPr/>
+          <p:nvPr/>
+        </p:nvSpPr>
+        <p:spPr>
+          <a:xfrm>
+            <a:off x="9056578" y="910016"/>
+            <a:ext cx="2001795" cy="2323066"/>
+          </a:xfrm>
+          <a:prstGeom prst="rect">
+            <a:avLst/>
+          </a:prstGeom>
+          <a:solidFill>
+            <a:schemeClr val="bg1"/>
+          </a:solidFill>
+          <a:ln>
+            <a:noFill/>
+          </a:ln>
+        </p:spPr>
+        <p:style>
+          <a:lnRef idx="2">
+            <a:schemeClr val="accent1">
+              <a:shade val="50000"/>
+            </a:schemeClr>
+          </a:lnRef>
+          <a:fillRef idx="1">
+            <a:schemeClr val="accent1"/>
+          </a:fillRef>
+          <a:effectRef idx="0">
+            <a:schemeClr val="accent1"/>
+          </a:effectRef>
+          <a:fontRef idx="minor">
+            <a:schemeClr val="lt1"/>
+          </a:fontRef>
+        </p:style>
+        <p:txBody>
+          <a:bodyPr rtlCol="0" anchor="ctr"/>
+          <a:lstStyle/>
+          <a:p>
+            <a:pPr algn="ctr"/>
+            <a:endParaRPr lang="pl-PL"/>
+          </a:p>
+        </p:txBody>
+      </p:sp>
+      <p:sp>
+        <p:nvSpPr>
+          <p:cNvPr id="55" name="Prostokąt 54"/>
+          <p:cNvSpPr/>
+          <p:nvPr/>
+        </p:nvSpPr>
+        <p:spPr>
+          <a:xfrm>
+            <a:off x="970070" y="2130803"/>
+            <a:ext cx="643017" cy="1102279"/>
+          </a:xfrm>
+          <a:prstGeom prst="rect">
+            <a:avLst/>
+          </a:prstGeom>
+          <a:solidFill>
+            <a:schemeClr val="bg1"/>
+          </a:solidFill>
+          <a:ln>
+            <a:noFill/>
+          </a:ln>
+        </p:spPr>
+        <p:style>
+          <a:lnRef idx="2">
+            <a:schemeClr val="accent1">
+              <a:shade val="50000"/>
+            </a:schemeClr>
+          </a:lnRef>
+          <a:fillRef idx="1">
+            <a:schemeClr val="accent1"/>
+          </a:fillRef>
+          <a:effectRef idx="0">
+            <a:schemeClr val="accent1"/>
+          </a:effectRef>
+          <a:fontRef idx="minor">
+            <a:schemeClr val="lt1"/>
+          </a:fontRef>
+        </p:style>
+        <p:txBody>
+          <a:bodyPr rtlCol="0" anchor="ctr"/>
+          <a:lstStyle/>
+          <a:p>
+            <a:pPr algn="ctr"/>
+            <a:endParaRPr lang="pl-PL"/>
+          </a:p>
+        </p:txBody>
+      </p:sp>
+      <p:sp>
+        <p:nvSpPr>
+          <p:cNvPr id="61" name="Prostokąt 60"/>
+          <p:cNvSpPr/>
+          <p:nvPr/>
+        </p:nvSpPr>
+        <p:spPr>
+          <a:xfrm>
+            <a:off x="9697114" y="3021243"/>
+            <a:ext cx="286074" cy="286538"/>
+          </a:xfrm>
+          <a:prstGeom prst="rect">
+            <a:avLst/>
+          </a:prstGeom>
+          <a:solidFill>
+            <a:schemeClr val="bg1"/>
+          </a:solidFill>
+          <a:ln>
+            <a:noFill/>
+          </a:ln>
+        </p:spPr>
+        <p:style>
+          <a:lnRef idx="2">
+            <a:schemeClr val="accent1">
+              <a:shade val="50000"/>
+            </a:schemeClr>
+          </a:lnRef>
+          <a:fillRef idx="1">
+            <a:schemeClr val="accent1"/>
+          </a:fillRef>
+          <a:effectRef idx="0">
+            <a:schemeClr val="accent1"/>
+          </a:effectRef>
+          <a:fontRef idx="minor">
+            <a:schemeClr val="lt1"/>
+          </a:fontRef>
+        </p:style>
+        <p:txBody>
+          <a:bodyPr rtlCol="0" anchor="ctr"/>
+          <a:lstStyle/>
+          <a:p>
+            <a:pPr algn="ctr"/>
+            <a:endParaRPr lang="pl-PL"/>
+          </a:p>
+        </p:txBody>
+      </p:sp>
+      <p:cxnSp>
+        <p:nvCxnSpPr>
+          <p:cNvPr id="9" name="Łącznik prosty ze strzałką 8"/>
+          <p:cNvCxnSpPr/>
+          <p:nvPr/>
+        </p:nvCxnSpPr>
+        <p:spPr>
+          <a:xfrm>
+            <a:off x="1536094" y="3241325"/>
+            <a:ext cx="8161020" cy="0"/>
+          </a:xfrm>
+          <a:prstGeom prst="straightConnector1">
+            <a:avLst/>
+          </a:prstGeom>
+          <a:ln w="28575">
+            <a:solidFill>
+              <a:schemeClr val="tx1"/>
+            </a:solidFill>
+            <a:tailEnd type="triangle"/>
+          </a:ln>
+        </p:spPr>
+        <p:style>
+          <a:lnRef idx="1">
+            <a:schemeClr val="accent1"/>
+          </a:lnRef>
+          <a:fillRef idx="0">
+            <a:schemeClr val="accent1"/>
+          </a:fillRef>
+          <a:effectRef idx="0">
+            <a:schemeClr val="accent1"/>
+          </a:effectRef>
+          <a:fontRef idx="minor">
+            <a:schemeClr val="tx1"/>
+          </a:fontRef>
+        </p:style>
+      </p:cxnSp>
+      <p:pic>
+        <p:nvPicPr>
+          <p:cNvPr id="22" name="Obraz 21"/>
+          <p:cNvPicPr>
+            <a:picLocks noChangeAspect="1"/>
+          </p:cNvPicPr>
+          <p:nvPr/>
+        </p:nvPicPr>
+        <p:blipFill>
+          <a:blip r:embed="rId2"/>
+          <a:stretch>
+            <a:fillRect/>
+          </a:stretch>
+        </p:blipFill>
+        <p:spPr>
+          <a:xfrm>
+            <a:off x="699275" y="3942578"/>
+            <a:ext cx="9860613" cy="2527675"/>
+          </a:xfrm>
+          <a:prstGeom prst="rect">
+            <a:avLst/>
+          </a:prstGeom>
+        </p:spPr>
+      </p:pic>
+    </p:spTree>
+    <p:extLst>
+      <p:ext uri="{BB962C8B-B14F-4D97-AF65-F5344CB8AC3E}">
+        <p14:creationId xmlns:p14="http://schemas.microsoft.com/office/powerpoint/2010/main" val="3641830373"/>
+      </p:ext>
+    </p:extLst>
+  </p:cSld>
+  <p:clrMapOvr>
+    <a:masterClrMapping/>
+  </p:clrMapOvr>
+  <p:timing>
+    <p:tnLst>
+      <p:par>
+        <p:cTn id="1" dur="indefinite" restart="never" nodeType="tmRoot"/>
+      </p:par>
+    </p:tnLst>
+  </p:timing>
+</p:sld>
+</file>
+
+<file path=ppt/slides/slide4.xml><?xml version="1.0" encoding="utf-8"?>
+<p:sld xmlns:a="http://schemas.openxmlformats.org/drawingml/2006/main" xmlns:r="http://schemas.openxmlformats.org/officeDocument/2006/relationships" xmlns:p="http://schemas.openxmlformats.org/presentationml/2006/main">
+  <p:cSld>
+    <p:spTree>
+      <p:nvGrpSpPr>
+        <p:cNvPr id="1" name=""/>
+        <p:cNvGrpSpPr/>
+        <p:nvPr/>
+      </p:nvGrpSpPr>
+      <p:grpSpPr>
+        <a:xfrm>
+          <a:off x="0" y="0"/>
+          <a:ext cx="0" cy="0"/>
+          <a:chOff x="0" y="0"/>
+          <a:chExt cx="0" cy="0"/>
+        </a:xfrm>
+      </p:grpSpPr>
+      <p:pic>
+        <p:nvPicPr>
+          <p:cNvPr id="4" name="Obraz 3"/>
+          <p:cNvPicPr>
+            <a:picLocks noChangeAspect="1"/>
+          </p:cNvPicPr>
+          <p:nvPr/>
+        </p:nvPicPr>
+        <p:blipFill>
+          <a:blip r:embed="rId2"/>
+          <a:stretch>
+            <a:fillRect/>
+          </a:stretch>
+        </p:blipFill>
+        <p:spPr>
+          <a:xfrm>
+            <a:off x="1554192" y="0"/>
+            <a:ext cx="9083615" cy="6858000"/>
+          </a:xfrm>
+          <a:prstGeom prst="rect">
+            <a:avLst/>
+          </a:prstGeom>
+        </p:spPr>
+      </p:pic>
+      <p:sp>
+        <p:nvSpPr>
+          <p:cNvPr id="5" name="pole tekstowe 4"/>
+          <p:cNvSpPr txBox="1"/>
+          <p:nvPr/>
+        </p:nvSpPr>
+        <p:spPr>
+          <a:xfrm>
+            <a:off x="1554192" y="117446"/>
+            <a:ext cx="2304744" cy="369332"/>
+          </a:xfrm>
+          <a:prstGeom prst="rect">
+            <a:avLst/>
+          </a:prstGeom>
+          <a:noFill/>
+        </p:spPr>
+        <p:txBody>
+          <a:bodyPr wrap="square" rtlCol="0">
+            <a:spAutoFit/>
+          </a:bodyPr>
+          <a:lstStyle/>
+          <a:p>
+            <a:r>
+              <a:rPr lang="pl-PL" dirty="0"/>
+              <a:t>a</a:t>
+            </a:r>
+            <a:r>
+              <a:rPr lang="pl-PL" dirty="0" smtClean="0"/>
+              <a:t>)</a:t>
+            </a:r>
+          </a:p>
+        </p:txBody>
+      </p:sp>
+      <p:sp>
+        <p:nvSpPr>
+          <p:cNvPr id="6" name="pole tekstowe 5"/>
+          <p:cNvSpPr txBox="1"/>
+          <p:nvPr/>
+        </p:nvSpPr>
+        <p:spPr>
+          <a:xfrm>
+            <a:off x="1554192" y="2367094"/>
+            <a:ext cx="2304744" cy="369332"/>
+          </a:xfrm>
+          <a:prstGeom prst="rect">
+            <a:avLst/>
+          </a:prstGeom>
+          <a:noFill/>
+        </p:spPr>
+        <p:txBody>
+          <a:bodyPr wrap="square" rtlCol="0">
+            <a:spAutoFit/>
+          </a:bodyPr>
+          <a:lstStyle/>
+          <a:p>
+            <a:r>
+              <a:rPr lang="pl-PL" dirty="0" smtClean="0"/>
+              <a:t>b)</a:t>
+            </a:r>
+          </a:p>
+        </p:txBody>
+      </p:sp>
+      <p:sp>
+        <p:nvSpPr>
+          <p:cNvPr id="7" name="pole tekstowe 6"/>
+          <p:cNvSpPr txBox="1"/>
+          <p:nvPr/>
+        </p:nvSpPr>
+        <p:spPr>
+          <a:xfrm>
+            <a:off x="1554192" y="4612547"/>
+            <a:ext cx="2304744" cy="369332"/>
+          </a:xfrm>
+          <a:prstGeom prst="rect">
+            <a:avLst/>
+          </a:prstGeom>
+          <a:noFill/>
+        </p:spPr>
+        <p:txBody>
+          <a:bodyPr wrap="square" rtlCol="0">
+            <a:spAutoFit/>
+          </a:bodyPr>
+          <a:lstStyle/>
+          <a:p>
+            <a:r>
+              <a:rPr lang="pl-PL" dirty="0" smtClean="0"/>
+              <a:t>c)</a:t>
+            </a:r>
+          </a:p>
+        </p:txBody>
+      </p:sp>
+    </p:spTree>
+    <p:extLst>
+      <p:ext uri="{BB962C8B-B14F-4D97-AF65-F5344CB8AC3E}">
+        <p14:creationId xmlns:p14="http://schemas.microsoft.com/office/powerpoint/2010/main" val="2847153560"/>
+      </p:ext>
+    </p:extLst>
+  </p:cSld>
+  <p:clrMapOvr>
+    <a:masterClrMapping/>
+  </p:clrMapOvr>
+  <p:timing>
+    <p:tnLst>
+      <p:par>
+        <p:cTn id="1" dur="indefinite" restart="never" nodeType="tmRoot"/>
+      </p:par>
+    </p:tnLst>
+  </p:timing>
 </p:sld>
 </file>
 
